--- a/docs/source/secured_asset_transfer/transfer_assets_images.pptx
+++ b/docs/source/secured_asset_transfer/transfer_assets_images.pptx
@@ -261,7 +261,7 @@
           <a:p>
             <a:fld id="{C7085146-0BF9-7E45-AACD-59CE42CB07C4}" type="datetimeFigureOut">
               <a:rPr lang="en-US" smtClean="0"/>
-              <a:t>8/12/20</a:t>
+              <a:t>6/20/22</a:t>
             </a:fld>
             <a:endParaRPr lang="en-US"/>
           </a:p>
@@ -459,7 +459,7 @@
           <a:p>
             <a:fld id="{C7085146-0BF9-7E45-AACD-59CE42CB07C4}" type="datetimeFigureOut">
               <a:rPr lang="en-US" smtClean="0"/>
-              <a:t>8/12/20</a:t>
+              <a:t>6/20/22</a:t>
             </a:fld>
             <a:endParaRPr lang="en-US"/>
           </a:p>
@@ -667,7 +667,7 @@
           <a:p>
             <a:fld id="{C7085146-0BF9-7E45-AACD-59CE42CB07C4}" type="datetimeFigureOut">
               <a:rPr lang="en-US" smtClean="0"/>
-              <a:t>8/12/20</a:t>
+              <a:t>6/20/22</a:t>
             </a:fld>
             <a:endParaRPr lang="en-US"/>
           </a:p>
@@ -865,7 +865,7 @@
           <a:p>
             <a:fld id="{C7085146-0BF9-7E45-AACD-59CE42CB07C4}" type="datetimeFigureOut">
               <a:rPr lang="en-US" smtClean="0"/>
-              <a:t>8/12/20</a:t>
+              <a:t>6/20/22</a:t>
             </a:fld>
             <a:endParaRPr lang="en-US"/>
           </a:p>
@@ -1140,7 +1140,7 @@
           <a:p>
             <a:fld id="{C7085146-0BF9-7E45-AACD-59CE42CB07C4}" type="datetimeFigureOut">
               <a:rPr lang="en-US" smtClean="0"/>
-              <a:t>8/12/20</a:t>
+              <a:t>6/20/22</a:t>
             </a:fld>
             <a:endParaRPr lang="en-US"/>
           </a:p>
@@ -1405,7 +1405,7 @@
           <a:p>
             <a:fld id="{C7085146-0BF9-7E45-AACD-59CE42CB07C4}" type="datetimeFigureOut">
               <a:rPr lang="en-US" smtClean="0"/>
-              <a:t>8/12/20</a:t>
+              <a:t>6/20/22</a:t>
             </a:fld>
             <a:endParaRPr lang="en-US"/>
           </a:p>
@@ -1817,7 +1817,7 @@
           <a:p>
             <a:fld id="{C7085146-0BF9-7E45-AACD-59CE42CB07C4}" type="datetimeFigureOut">
               <a:rPr lang="en-US" smtClean="0"/>
-              <a:t>8/12/20</a:t>
+              <a:t>6/20/22</a:t>
             </a:fld>
             <a:endParaRPr lang="en-US"/>
           </a:p>
@@ -1958,7 +1958,7 @@
           <a:p>
             <a:fld id="{C7085146-0BF9-7E45-AACD-59CE42CB07C4}" type="datetimeFigureOut">
               <a:rPr lang="en-US" smtClean="0"/>
-              <a:t>8/12/20</a:t>
+              <a:t>6/20/22</a:t>
             </a:fld>
             <a:endParaRPr lang="en-US"/>
           </a:p>
@@ -2071,7 +2071,7 @@
           <a:p>
             <a:fld id="{C7085146-0BF9-7E45-AACD-59CE42CB07C4}" type="datetimeFigureOut">
               <a:rPr lang="en-US" smtClean="0"/>
-              <a:t>8/12/20</a:t>
+              <a:t>6/20/22</a:t>
             </a:fld>
             <a:endParaRPr lang="en-US"/>
           </a:p>
@@ -2382,7 +2382,7 @@
           <a:p>
             <a:fld id="{C7085146-0BF9-7E45-AACD-59CE42CB07C4}" type="datetimeFigureOut">
               <a:rPr lang="en-US" smtClean="0"/>
-              <a:t>8/12/20</a:t>
+              <a:t>6/20/22</a:t>
             </a:fld>
             <a:endParaRPr lang="en-US"/>
           </a:p>
@@ -2670,7 +2670,7 @@
           <a:p>
             <a:fld id="{C7085146-0BF9-7E45-AACD-59CE42CB07C4}" type="datetimeFigureOut">
               <a:rPr lang="en-US" smtClean="0"/>
-              <a:t>8/12/20</a:t>
+              <a:t>6/20/22</a:t>
             </a:fld>
             <a:endParaRPr lang="en-US"/>
           </a:p>
@@ -2911,7 +2911,7 @@
           <a:p>
             <a:fld id="{C7085146-0BF9-7E45-AACD-59CE42CB07C4}" type="datetimeFigureOut">
               <a:rPr lang="en-US" smtClean="0"/>
-              <a:t>8/12/20</a:t>
+              <a:t>6/20/22</a:t>
             </a:fld>
             <a:endParaRPr lang="en-US"/>
           </a:p>
@@ -3590,7 +3590,7 @@
                   <a:prstClr val="black"/>
                 </a:solidFill>
               </a:rPr>
-              <a:t>asset1, </a:t>
+              <a:t>hash(details), </a:t>
             </a:r>
             <a:r>
               <a:rPr lang="en-US" sz="1400" b="1" dirty="0">
@@ -3624,7 +3624,7 @@
                   <a:prstClr val="black"/>
                 </a:solidFill>
               </a:rPr>
-              <a:t>hash(asset1), </a:t>
+              <a:t>hash(details), </a:t>
             </a:r>
             <a:r>
               <a:rPr lang="en-US" sz="1400" b="1" dirty="0">
@@ -4236,7 +4236,7 @@
                   <a:prstClr val="black"/>
                 </a:solidFill>
               </a:rPr>
-              <a:t>asset1, </a:t>
+              <a:t>hash(details), </a:t>
             </a:r>
             <a:r>
               <a:rPr lang="en-US" sz="1400" b="1" dirty="0">
@@ -4557,7 +4557,7 @@
                   <a:prstClr val="black"/>
                 </a:solidFill>
               </a:rPr>
-              <a:t>asset1, </a:t>
+              <a:t>hash(details), </a:t>
             </a:r>
             <a:r>
               <a:rPr lang="en-US" sz="1400" b="1" dirty="0">
@@ -4591,7 +4591,7 @@
                   <a:prstClr val="black"/>
                 </a:solidFill>
               </a:rPr>
-              <a:t>hash(asset1), </a:t>
+              <a:t>hash(details), </a:t>
             </a:r>
             <a:r>
               <a:rPr lang="en-US" sz="1400" b="1" dirty="0">
@@ -5073,7 +5073,7 @@
                   <a:prstClr val="black"/>
                 </a:solidFill>
               </a:rPr>
-              <a:t>asset1, </a:t>
+              <a:t>hash(details), </a:t>
             </a:r>
             <a:r>
               <a:rPr lang="en-US" sz="1400" b="1" dirty="0">
@@ -5107,7 +5107,7 @@
                   <a:prstClr val="black"/>
                 </a:solidFill>
               </a:rPr>
-              <a:t>hash(asset1), </a:t>
+              <a:t>hash(details), </a:t>
             </a:r>
             <a:r>
               <a:rPr lang="en-US" sz="1400" b="1" dirty="0">
@@ -5141,7 +5141,23 @@
                   <a:prstClr val="black"/>
                 </a:solidFill>
               </a:rPr>
-              <a:t>hash(S:asset1), </a:t>
+              <a:t>hash(</a:t>
+            </a:r>
+            <a:r>
+              <a:rPr lang="en-US" sz="1400" dirty="0" err="1">
+                <a:solidFill>
+                  <a:prstClr val="black"/>
+                </a:solidFill>
+              </a:rPr>
+              <a:t>S:assetId</a:t>
+            </a:r>
+            <a:r>
+              <a:rPr lang="en-US" sz="1400" dirty="0">
+                <a:solidFill>
+                  <a:prstClr val="black"/>
+                </a:solidFill>
+              </a:rPr>
+              <a:t>), </a:t>
             </a:r>
             <a:r>
               <a:rPr lang="en-US" sz="1400" b="1" dirty="0">
@@ -5175,7 +5191,23 @@
                   <a:prstClr val="black"/>
                 </a:solidFill>
               </a:rPr>
-              <a:t>hash(B:asset1), </a:t>
+              <a:t>hash(</a:t>
+            </a:r>
+            <a:r>
+              <a:rPr lang="en-US" sz="1400" dirty="0" err="1">
+                <a:solidFill>
+                  <a:prstClr val="black"/>
+                </a:solidFill>
+              </a:rPr>
+              <a:t>B:assetId</a:t>
+            </a:r>
+            <a:r>
+              <a:rPr lang="en-US" sz="1400" dirty="0">
+                <a:solidFill>
+                  <a:prstClr val="black"/>
+                </a:solidFill>
+              </a:rPr>
+              <a:t>), </a:t>
             </a:r>
             <a:r>
               <a:rPr lang="en-US" sz="1400" b="1" dirty="0">
@@ -5773,7 +5805,7 @@
                   <a:prstClr val="black"/>
                 </a:solidFill>
               </a:rPr>
-              <a:t>asset1, </a:t>
+              <a:t>hash(details), </a:t>
             </a:r>
             <a:r>
               <a:rPr lang="en-US" sz="1400" b="1" dirty="0">
@@ -5808,7 +5840,7 @@
                   <a:prstClr val="black"/>
                 </a:solidFill>
               </a:rPr>
-              <a:t> S:asset1, </a:t>
+              <a:t> hash(details), </a:t>
             </a:r>
             <a:r>
               <a:rPr lang="en-US" sz="1400" b="1" dirty="0">
@@ -6083,7 +6115,7 @@
                   <a:prstClr val="black"/>
                 </a:solidFill>
               </a:rPr>
-              <a:t>asset1, </a:t>
+              <a:t>hash(details), </a:t>
             </a:r>
             <a:r>
               <a:rPr lang="en-US" sz="1400" b="1" dirty="0">
@@ -6117,7 +6149,7 @@
                   <a:prstClr val="black"/>
                 </a:solidFill>
               </a:rPr>
-              <a:t>hash(asset1), </a:t>
+              <a:t>hash(details), </a:t>
             </a:r>
             <a:r>
               <a:rPr lang="en-US" sz="1400" b="1" dirty="0">
@@ -6151,7 +6183,23 @@
                   <a:prstClr val="black"/>
                 </a:solidFill>
               </a:rPr>
-              <a:t>hash(S:asset1), </a:t>
+              <a:t>hash(</a:t>
+            </a:r>
+            <a:r>
+              <a:rPr lang="en-US" sz="1400" dirty="0" err="1">
+                <a:solidFill>
+                  <a:prstClr val="black"/>
+                </a:solidFill>
+              </a:rPr>
+              <a:t>S:assetId</a:t>
+            </a:r>
+            <a:r>
+              <a:rPr lang="en-US" sz="1400" dirty="0">
+                <a:solidFill>
+                  <a:prstClr val="black"/>
+                </a:solidFill>
+              </a:rPr>
+              <a:t>), </a:t>
             </a:r>
             <a:r>
               <a:rPr lang="en-US" sz="1400" b="1" dirty="0">
@@ -6185,7 +6233,23 @@
                   <a:prstClr val="black"/>
                 </a:solidFill>
               </a:rPr>
-              <a:t>hash(B:asset1), </a:t>
+              <a:t>hash(</a:t>
+            </a:r>
+            <a:r>
+              <a:rPr lang="en-US" sz="1400" dirty="0" err="1">
+                <a:solidFill>
+                  <a:prstClr val="black"/>
+                </a:solidFill>
+              </a:rPr>
+              <a:t>B:assetId</a:t>
+            </a:r>
+            <a:r>
+              <a:rPr lang="en-US" sz="1400" dirty="0">
+                <a:solidFill>
+                  <a:prstClr val="black"/>
+                </a:solidFill>
+              </a:rPr>
+              <a:t>), </a:t>
             </a:r>
             <a:r>
               <a:rPr lang="en-US" sz="1400" b="1" dirty="0">
@@ -6289,7 +6353,7 @@
                   <a:prstClr val="black"/>
                 </a:solidFill>
               </a:rPr>
-              <a:t>Key</a:t>
+              <a:t>Key: </a:t>
             </a:r>
             <a:r>
               <a:rPr lang="en-US" sz="1400" dirty="0">
@@ -6297,7 +6361,7 @@
                   <a:prstClr val="black"/>
                 </a:solidFill>
               </a:rPr>
-              <a:t> B:asset1, </a:t>
+              <a:t>hash(details), </a:t>
             </a:r>
             <a:r>
               <a:rPr lang="en-US" sz="1400" b="1" dirty="0">
@@ -6305,7 +6369,7 @@
                   <a:prstClr val="black"/>
                 </a:solidFill>
               </a:rPr>
-              <a:t>Value</a:t>
+              <a:t>Value: </a:t>
             </a:r>
             <a:r>
               <a:rPr lang="en-US" sz="1400" dirty="0">
@@ -6313,16 +6377,48 @@
                   <a:prstClr val="black"/>
                 </a:solidFill>
               </a:rPr>
-              <a:t>: 100</a:t>
-            </a:r>
-          </a:p>
-          <a:p>
-            <a:pPr algn="ctr"/>
-            <a:endParaRPr lang="en-US" sz="1400" dirty="0">
+              <a:t>asset1 details</a:t>
+            </a:r>
+            <a:endParaRPr lang="en-US" sz="1400" b="1" dirty="0">
               <a:solidFill>
                 <a:prstClr val="black"/>
               </a:solidFill>
             </a:endParaRPr>
+          </a:p>
+          <a:p>
+            <a:pPr algn="ctr"/>
+            <a:r>
+              <a:rPr lang="en-US" sz="1400" b="1" dirty="0">
+                <a:solidFill>
+                  <a:prstClr val="black"/>
+                </a:solidFill>
+              </a:rPr>
+              <a:t>Key</a:t>
+            </a:r>
+            <a:r>
+              <a:rPr lang="en-US" sz="1400" dirty="0">
+                <a:solidFill>
+                  <a:prstClr val="black"/>
+                </a:solidFill>
+              </a:rPr>
+              <a:t> B: hash(details), </a:t>
+            </a:r>
+            <a:r>
+              <a:rPr lang="en-US" sz="1400" b="1" dirty="0">
+                <a:solidFill>
+                  <a:prstClr val="black"/>
+                </a:solidFill>
+              </a:rPr>
+              <a:t>Value</a:t>
+            </a:r>
+            <a:r>
+              <a:rPr lang="en-US" sz="1400" dirty="0">
+                <a:solidFill>
+                  <a:prstClr val="black"/>
+                </a:solidFill>
+              </a:rPr>
+              <a:t>: 100</a:t>
+            </a:r>
           </a:p>
           <a:p>
             <a:pPr algn="ctr"/>
@@ -6718,7 +6814,7 @@
                   <a:prstClr val="black"/>
                 </a:solidFill>
               </a:rPr>
-              <a:t>asset1, </a:t>
+              <a:t>hash(details), </a:t>
             </a:r>
             <a:r>
               <a:rPr lang="en-US" sz="1400" b="1" dirty="0">
@@ -6786,7 +6882,23 @@
                   <a:prstClr val="black"/>
                 </a:solidFill>
               </a:rPr>
-              <a:t>hash(S:asset1), </a:t>
+              <a:t>hash(</a:t>
+            </a:r>
+            <a:r>
+              <a:rPr lang="en-US" sz="1400" dirty="0" err="1">
+                <a:solidFill>
+                  <a:prstClr val="black"/>
+                </a:solidFill>
+              </a:rPr>
+              <a:t>S:assetId</a:t>
+            </a:r>
+            <a:r>
+              <a:rPr lang="en-US" sz="1400" dirty="0">
+                <a:solidFill>
+                  <a:prstClr val="black"/>
+                </a:solidFill>
+              </a:rPr>
+              <a:t>), </a:t>
             </a:r>
             <a:r>
               <a:rPr lang="en-US" sz="1400" b="1" dirty="0">
@@ -6820,7 +6932,23 @@
                   <a:prstClr val="black"/>
                 </a:solidFill>
               </a:rPr>
-              <a:t>hash(B:asset1), </a:t>
+              <a:t>hash(</a:t>
+            </a:r>
+            <a:r>
+              <a:rPr lang="en-US" sz="1400" dirty="0" err="1">
+                <a:solidFill>
+                  <a:prstClr val="black"/>
+                </a:solidFill>
+              </a:rPr>
+              <a:t>B:assetId</a:t>
+            </a:r>
+            <a:r>
+              <a:rPr lang="en-US" sz="1400" dirty="0">
+                <a:solidFill>
+                  <a:prstClr val="black"/>
+                </a:solidFill>
+              </a:rPr>
+              <a:t>), </a:t>
             </a:r>
             <a:r>
               <a:rPr lang="en-US" sz="1400" b="1" dirty="0">
@@ -7418,7 +7546,23 @@
                   <a:prstClr val="black"/>
                 </a:solidFill>
               </a:rPr>
-              <a:t> S:asset1, </a:t>
+              <a:t> </a:t>
+            </a:r>
+            <a:r>
+              <a:rPr lang="en-US" sz="1400" dirty="0" err="1">
+                <a:solidFill>
+                  <a:prstClr val="black"/>
+                </a:solidFill>
+              </a:rPr>
+              <a:t>S:assetId</a:t>
+            </a:r>
+            <a:r>
+              <a:rPr lang="en-US" sz="1400" dirty="0">
+                <a:solidFill>
+                  <a:prstClr val="black"/>
+                </a:solidFill>
+              </a:rPr>
+              <a:t>, </a:t>
             </a:r>
             <a:r>
               <a:rPr lang="en-US" sz="1400" b="1" dirty="0">
@@ -7701,7 +7845,7 @@
                   <a:prstClr val="black"/>
                 </a:solidFill>
               </a:rPr>
-              <a:t>asset1, </a:t>
+              <a:t>hash(details), </a:t>
             </a:r>
             <a:r>
               <a:rPr lang="en-US" sz="1400" b="1" dirty="0">
@@ -7735,7 +7879,7 @@
                   <a:prstClr val="black"/>
                 </a:solidFill>
               </a:rPr>
-              <a:t>hash(asset1), </a:t>
+              <a:t>hash(details), </a:t>
             </a:r>
             <a:r>
               <a:rPr lang="en-US" sz="1400" b="1" dirty="0">
@@ -7769,7 +7913,23 @@
                   <a:prstClr val="black"/>
                 </a:solidFill>
               </a:rPr>
-              <a:t>hash(S:asset1), </a:t>
+              <a:t>hash(</a:t>
+            </a:r>
+            <a:r>
+              <a:rPr lang="en-US" sz="1400" dirty="0" err="1">
+                <a:solidFill>
+                  <a:prstClr val="black"/>
+                </a:solidFill>
+              </a:rPr>
+              <a:t>S:assetId</a:t>
+            </a:r>
+            <a:r>
+              <a:rPr lang="en-US" sz="1400" dirty="0">
+                <a:solidFill>
+                  <a:prstClr val="black"/>
+                </a:solidFill>
+              </a:rPr>
+              <a:t>), </a:t>
             </a:r>
             <a:r>
               <a:rPr lang="en-US" sz="1400" b="1" dirty="0">
@@ -7803,7 +7963,23 @@
                   <a:prstClr val="black"/>
                 </a:solidFill>
               </a:rPr>
-              <a:t>hash(B:asset1), </a:t>
+              <a:t>hash(</a:t>
+            </a:r>
+            <a:r>
+              <a:rPr lang="en-US" sz="1400" dirty="0" err="1">
+                <a:solidFill>
+                  <a:prstClr val="black"/>
+                </a:solidFill>
+              </a:rPr>
+              <a:t>B:assetId</a:t>
+            </a:r>
+            <a:r>
+              <a:rPr lang="en-US" sz="1400" dirty="0">
+                <a:solidFill>
+                  <a:prstClr val="black"/>
+                </a:solidFill>
+              </a:rPr>
+              <a:t>), </a:t>
             </a:r>
             <a:r>
               <a:rPr lang="en-US" sz="1400" b="1" dirty="0">
@@ -7915,7 +8091,7 @@
                   <a:prstClr val="black"/>
                 </a:solidFill>
               </a:rPr>
-              <a:t> B:asset1, </a:t>
+              <a:t> B: hash(details), </a:t>
             </a:r>
             <a:r>
               <a:rPr lang="en-US" sz="1400" b="1" dirty="0">
@@ -7950,7 +8126,15 @@
                   <a:prstClr val="black"/>
                 </a:solidFill>
               </a:rPr>
-              <a:t>asset1, </a:t>
+              <a:t> hash(</a:t>
+            </a:r>
+            <a:r>
+              <a:rPr lang="en-US" sz="1400">
+                <a:solidFill>
+                  <a:prstClr val="black"/>
+                </a:solidFill>
+              </a:rPr>
+              <a:t>details), </a:t>
             </a:r>
             <a:r>
               <a:rPr lang="en-US" sz="1400" b="1" dirty="0">
